--- a/Presentation/Final Presentation_BIO727P_SWP_Team_Celine.pptx
+++ b/Presentation/Final Presentation_BIO727P_SWP_Team_Celine.pptx
@@ -4855,7 +4855,7 @@
           <a:p>
             <a:fld id="{3EBA5BD7-F043-4D1B-AA17-CD412FC534DE}" type="slidenum">
               <a:rPr lang="en-US" smtClean="0"/>
-              <a:t>11</a:t>
+              <a:t>10</a:t>
             </a:fld>
             <a:endParaRPr lang="en-US"/>
           </a:p>
@@ -4976,7 +4976,7 @@
           <a:p>
             <a:fld id="{3EBA5BD7-F043-4D1B-AA17-CD412FC534DE}" type="slidenum">
               <a:rPr lang="en-US" smtClean="0"/>
-              <a:t>12</a:t>
+              <a:t>11</a:t>
             </a:fld>
             <a:endParaRPr lang="en-US"/>
           </a:p>
@@ -5064,7 +5064,7 @@
           <a:p>
             <a:fld id="{3EBA5BD7-F043-4D1B-AA17-CD412FC534DE}" type="slidenum">
               <a:rPr lang="en-US" smtClean="0"/>
-              <a:t>14</a:t>
+              <a:t>13</a:t>
             </a:fld>
             <a:endParaRPr lang="en-US"/>
           </a:p>
@@ -5246,7 +5246,7 @@
           <a:p>
             <a:fld id="{3EBA5BD7-F043-4D1B-AA17-CD412FC534DE}" type="slidenum">
               <a:rPr lang="en-US" smtClean="0"/>
-              <a:t>4</a:t>
+              <a:t>3</a:t>
             </a:fld>
             <a:endParaRPr lang="en-US"/>
           </a:p>
@@ -5334,7 +5334,7 @@
           <a:p>
             <a:fld id="{3EBA5BD7-F043-4D1B-AA17-CD412FC534DE}" type="slidenum">
               <a:rPr lang="en-US" smtClean="0"/>
-              <a:t>5</a:t>
+              <a:t>4</a:t>
             </a:fld>
             <a:endParaRPr lang="en-US"/>
           </a:p>
@@ -5422,7 +5422,7 @@
           <a:p>
             <a:fld id="{3EBA5BD7-F043-4D1B-AA17-CD412FC534DE}" type="slidenum">
               <a:rPr lang="en-US" smtClean="0"/>
-              <a:t>6</a:t>
+              <a:t>5</a:t>
             </a:fld>
             <a:endParaRPr lang="en-US"/>
           </a:p>
@@ -5510,7 +5510,7 @@
           <a:p>
             <a:fld id="{3EBA5BD7-F043-4D1B-AA17-CD412FC534DE}" type="slidenum">
               <a:rPr lang="en-US" smtClean="0"/>
-              <a:t>7</a:t>
+              <a:t>6</a:t>
             </a:fld>
             <a:endParaRPr lang="en-US"/>
           </a:p>
@@ -5626,7 +5626,7 @@
           <a:p>
             <a:fld id="{3EBA5BD7-F043-4D1B-AA17-CD412FC534DE}" type="slidenum">
               <a:rPr lang="en-US" smtClean="0"/>
-              <a:t>8</a:t>
+              <a:t>7</a:t>
             </a:fld>
             <a:endParaRPr lang="en-US"/>
           </a:p>
@@ -5714,7 +5714,7 @@
           <a:p>
             <a:fld id="{3EBA5BD7-F043-4D1B-AA17-CD412FC534DE}" type="slidenum">
               <a:rPr lang="en-US" smtClean="0"/>
-              <a:t>9</a:t>
+              <a:t>8</a:t>
             </a:fld>
             <a:endParaRPr lang="en-US"/>
           </a:p>
@@ -5802,7 +5802,7 @@
           <a:p>
             <a:fld id="{3EBA5BD7-F043-4D1B-AA17-CD412FC534DE}" type="slidenum">
               <a:rPr lang="en-US" smtClean="0"/>
-              <a:t>10</a:t>
+              <a:t>9</a:t>
             </a:fld>
             <a:endParaRPr lang="en-US"/>
           </a:p>
@@ -12972,13 +12972,13 @@
   <p:clrMapOvr>
     <a:masterClrMapping/>
   </p:clrMapOvr>
-  <mc:AlternateContent xmlns:mc="http://schemas.openxmlformats.org/markup-compatibility/2006">
-    <mc:Choice xmlns:p14="http://schemas.microsoft.com/office/powerpoint/2010/main" Requires="p14">
+  <mc:AlternateContent xmlns:mc="http://schemas.openxmlformats.org/markup-compatibility/2006" xmlns:p14="http://schemas.microsoft.com/office/powerpoint/2010/main">
+    <mc:Choice Requires="p14">
       <p:transition spd="med" p14:dur="700">
         <p:fade/>
       </p:transition>
     </mc:Choice>
-    <mc:Fallback>
+    <mc:Fallback xmlns="">
       <p:transition spd="med">
         <p:fade/>
       </p:transition>
@@ -32011,6 +32011,12 @@
 </file>
 
 <file path=customXml/item2.xml><?xml version="1.0" encoding="utf-8"?>
+<p:properties xmlns:p="http://schemas.microsoft.com/office/2006/metadata/properties" xmlns:xsi="http://www.w3.org/2001/XMLSchema-instance" xmlns:pc="http://schemas.microsoft.com/office/infopath/2007/PartnerControls">
+  <documentManagement/>
+</p:properties>
+</file>
+
+<file path=customXml/item3.xml><?xml version="1.0" encoding="utf-8"?>
 <ct:contentTypeSchema xmlns:ct="http://schemas.microsoft.com/office/2006/metadata/contentType" xmlns:ma="http://schemas.microsoft.com/office/2006/metadata/properties/metaAttributes" ct:_="" ma:_="" ma:contentTypeName="Document" ma:contentTypeID="0x010100F8A926E4F741B54E9D3CC55836D8AA7A" ma:contentTypeVersion="7" ma:contentTypeDescription="Create a new document." ma:contentTypeScope="" ma:versionID="f9b93885157f6a8bc2707348567787bb">
   <xsd:schema xmlns:xsd="http://www.w3.org/2001/XMLSchema" xmlns:xs="http://www.w3.org/2001/XMLSchema" xmlns:p="http://schemas.microsoft.com/office/2006/metadata/properties" xmlns:ns3="2c6865e2-40ed-47f8-a313-63552d327e97" xmlns:ns4="9d611d07-d685-4c13-8f9a-35d36b256d86" targetNamespace="http://schemas.microsoft.com/office/2006/metadata/properties" ma:root="true" ma:fieldsID="bfdbbc0fc324728d144b21342fd05797" ns3:_="" ns4:_="">
     <xsd:import namespace="2c6865e2-40ed-47f8-a313-63552d327e97"/>
@@ -32195,12 +32201,6 @@
 </ct:contentTypeSchema>
 </file>
 
-<file path=customXml/item3.xml><?xml version="1.0" encoding="utf-8"?>
-<p:properties xmlns:p="http://schemas.microsoft.com/office/2006/metadata/properties" xmlns:xsi="http://www.w3.org/2001/XMLSchema-instance" xmlns:pc="http://schemas.microsoft.com/office/infopath/2007/PartnerControls">
-  <documentManagement/>
-</p:properties>
-</file>
-
 <file path=customXml/itemProps1.xml><?xml version="1.0" encoding="utf-8"?>
 <ds:datastoreItem xmlns:ds="http://schemas.openxmlformats.org/officeDocument/2006/customXml" ds:itemID="{675F28C2-5A38-4FB4-AB0E-790E17A3888B}">
   <ds:schemaRefs>
@@ -32210,6 +32210,23 @@
 </file>
 
 <file path=customXml/itemProps2.xml><?xml version="1.0" encoding="utf-8"?>
+<ds:datastoreItem xmlns:ds="http://schemas.openxmlformats.org/officeDocument/2006/customXml" ds:itemID="{60C67BEE-D13F-4BD2-98A5-34D8A0977F68}">
+  <ds:schemaRefs>
+    <ds:schemaRef ds:uri="http://schemas.openxmlformats.org/package/2006/metadata/core-properties"/>
+    <ds:schemaRef ds:uri="http://schemas.microsoft.com/office/2006/metadata/properties"/>
+    <ds:schemaRef ds:uri="http://schemas.microsoft.com/office/2006/documentManagement/types"/>
+    <ds:schemaRef ds:uri="http://purl.org/dc/elements/1.1/"/>
+    <ds:schemaRef ds:uri="http://schemas.microsoft.com/office/infopath/2007/PartnerControls"/>
+    <ds:schemaRef ds:uri="http://www.w3.org/XML/1998/namespace"/>
+    <ds:schemaRef ds:uri="http://purl.org/dc/dcmitype/"/>
+    <ds:schemaRef ds:uri="http://purl.org/dc/terms/"/>
+    <ds:schemaRef ds:uri="9d611d07-d685-4c13-8f9a-35d36b256d86"/>
+    <ds:schemaRef ds:uri="2c6865e2-40ed-47f8-a313-63552d327e97"/>
+  </ds:schemaRefs>
+</ds:datastoreItem>
+</file>
+
+<file path=customXml/itemProps3.xml><?xml version="1.0" encoding="utf-8"?>
 <ds:datastoreItem xmlns:ds="http://schemas.openxmlformats.org/officeDocument/2006/customXml" ds:itemID="{8D614A6C-CE7B-46BA-BD3A-CAD9BA06454B}">
   <ds:schemaRefs>
     <ds:schemaRef ds:uri="2c6865e2-40ed-47f8-a313-63552d327e97"/>
@@ -32226,21 +32243,4 @@
     <ds:schemaRef ds:uri="http://www.w3.org/2001/XMLSchema"/>
   </ds:schemaRefs>
 </ds:datastoreItem>
-</file>
-
-<file path=customXml/itemProps3.xml><?xml version="1.0" encoding="utf-8"?>
-<ds:datastoreItem xmlns:ds="http://schemas.openxmlformats.org/officeDocument/2006/customXml" ds:itemID="{60C67BEE-D13F-4BD2-98A5-34D8A0977F68}">
-  <ds:schemaRefs>
-    <ds:schemaRef ds:uri="http://www.w3.org/XML/1998/namespace"/>
-    <ds:schemaRef ds:uri="http://purl.org/dc/terms/"/>
-    <ds:schemaRef ds:uri="2c6865e2-40ed-47f8-a313-63552d327e97"/>
-    <ds:schemaRef ds:uri="http://purl.org/dc/dcmitype/"/>
-    <ds:schemaRef ds:uri="9d611d07-d685-4c13-8f9a-35d36b256d86"/>
-    <ds:schemaRef ds:uri="http://schemas.microsoft.com/office/2006/documentManagement/types"/>
-    <ds:schemaRef ds:uri="http://schemas.microsoft.com/office/infopath/2007/PartnerControls"/>
-    <ds:schemaRef ds:uri="http://schemas.openxmlformats.org/package/2006/metadata/core-properties"/>
-    <ds:schemaRef ds:uri="http://schemas.microsoft.com/office/2006/metadata/properties"/>
-    <ds:schemaRef ds:uri="http://purl.org/dc/elements/1.1/"/>
-  </ds:schemaRefs>
-</ds:datastoreItem>
 </file>
--- a/Presentation/Final Presentation_BIO727P_SWP_Team_Celine.pptx
+++ b/Presentation/Final Presentation_BIO727P_SWP_Team_Celine.pptx
@@ -4167,7 +4167,7 @@
           <a:p>
             <a:fld id="{FE5B4EDC-59C0-49C7-8ADA-5A781B329E02}" type="datetimeFigureOut">
               <a:rPr lang="en-US"/>
-              <a:t>3/3/2022</a:t>
+              <a:t>3/4/2022</a:t>
             </a:fld>
             <a:endParaRPr/>
           </a:p>
@@ -4332,7 +4332,7 @@
           <a:p>
             <a:fld id="{F2D8D46A-B586-417D-BFBD-8C8FE0AAF762}" type="datetimeFigureOut">
               <a:rPr lang="en-US"/>
-              <a:t>3/3/2022</a:t>
+              <a:t>3/4/2022</a:t>
             </a:fld>
             <a:endParaRPr/>
           </a:p>
@@ -6577,7 +6577,7 @@
           <a:p>
             <a:fld id="{F0DFD029-FB74-4578-B929-F66AA97659CA}" type="datetimeFigureOut">
               <a:rPr lang="en-US"/>
-              <a:t>3/3/2022</a:t>
+              <a:t>3/4/2022</a:t>
             </a:fld>
             <a:endParaRPr/>
           </a:p>
@@ -6775,7 +6775,7 @@
           <a:p>
             <a:fld id="{F0DFD029-FB74-4578-B929-F66AA97659CA}" type="datetimeFigureOut">
               <a:rPr lang="en-US"/>
-              <a:t>3/3/2022</a:t>
+              <a:t>3/4/2022</a:t>
             </a:fld>
             <a:endParaRPr/>
           </a:p>
@@ -6983,7 +6983,7 @@
           <a:p>
             <a:fld id="{F0DFD029-FB74-4578-B929-F66AA97659CA}" type="datetimeFigureOut">
               <a:rPr lang="en-US"/>
-              <a:t>3/3/2022</a:t>
+              <a:t>3/4/2022</a:t>
             </a:fld>
             <a:endParaRPr/>
           </a:p>
@@ -7181,7 +7181,7 @@
           <a:p>
             <a:fld id="{F0DFD029-FB74-4578-B929-F66AA97659CA}" type="datetimeFigureOut">
               <a:rPr lang="en-US"/>
-              <a:t>3/3/2022</a:t>
+              <a:t>3/4/2022</a:t>
             </a:fld>
             <a:endParaRPr/>
           </a:p>
@@ -7613,7 +7613,7 @@
           <a:p>
             <a:fld id="{F0DFD029-FB74-4578-B929-F66AA97659CA}" type="datetimeFigureOut">
               <a:rPr lang="en-US"/>
-              <a:t>3/3/2022</a:t>
+              <a:t>3/4/2022</a:t>
             </a:fld>
             <a:endParaRPr/>
           </a:p>
@@ -7917,7 +7917,7 @@
           <a:p>
             <a:fld id="{F0DFD029-FB74-4578-B929-F66AA97659CA}" type="datetimeFigureOut">
               <a:rPr lang="en-US"/>
-              <a:t>3/3/2022</a:t>
+              <a:t>3/4/2022</a:t>
             </a:fld>
             <a:endParaRPr/>
           </a:p>
@@ -8373,7 +8373,7 @@
           <a:p>
             <a:fld id="{F0DFD029-FB74-4578-B929-F66AA97659CA}" type="datetimeFigureOut">
               <a:rPr lang="en-US"/>
-              <a:t>3/3/2022</a:t>
+              <a:t>3/4/2022</a:t>
             </a:fld>
             <a:endParaRPr/>
           </a:p>
@@ -8503,7 +8503,7 @@
           <a:p>
             <a:fld id="{F0DFD029-FB74-4578-B929-F66AA97659CA}" type="datetimeFigureOut">
               <a:rPr lang="en-US"/>
-              <a:t>3/3/2022</a:t>
+              <a:t>3/4/2022</a:t>
             </a:fld>
             <a:endParaRPr/>
           </a:p>
@@ -8610,7 +8610,7 @@
           <a:p>
             <a:fld id="{F0DFD029-FB74-4578-B929-F66AA97659CA}" type="datetimeFigureOut">
               <a:rPr lang="en-US"/>
-              <a:t>3/3/2022</a:t>
+              <a:t>3/4/2022</a:t>
             </a:fld>
             <a:endParaRPr/>
           </a:p>
@@ -8909,7 +8909,7 @@
           <a:p>
             <a:fld id="{F0DFD029-FB74-4578-B929-F66AA97659CA}" type="datetimeFigureOut">
               <a:rPr lang="en-US"/>
-              <a:t>3/3/2022</a:t>
+              <a:t>3/4/2022</a:t>
             </a:fld>
             <a:endParaRPr/>
           </a:p>
@@ -9197,7 +9197,7 @@
           <a:p>
             <a:fld id="{F0DFD029-FB74-4578-B929-F66AA97659CA}" type="datetimeFigureOut">
               <a:rPr lang="en-US"/>
-              <a:t>3/3/2022</a:t>
+              <a:t>3/4/2022</a:t>
             </a:fld>
             <a:endParaRPr/>
           </a:p>
@@ -9820,7 +9820,7 @@
             <a:fld id="{F0DFD029-FB74-4578-B929-F66AA97659CA}" type="datetimeFigureOut">
               <a:rPr lang="en-US"/>
               <a:pPr/>
-              <a:t>3/3/2022</a:t>
+              <a:t>3/4/2022</a:t>
             </a:fld>
             <a:endParaRPr/>
           </a:p>
@@ -11040,7 +11040,11 @@
           <a:p>
             <a:r>
               <a:rPr lang="en-GB"/>
-              <a:t>Celine &amp; Gracia will show our web application now</a:t>
+              <a:t>Celine will </a:t>
+            </a:r>
+            <a:r>
+              <a:rPr lang="en-GB" dirty="0"/>
+              <a:t>show our web application now</a:t>
             </a:r>
           </a:p>
         </p:txBody>
@@ -11134,50 +11138,57 @@
         <p:spPr>
           <a:xfrm>
             <a:off x="1218882" y="2132856"/>
-            <a:ext cx="10360501" cy="3311379"/>
+            <a:ext cx="10360501" cy="3543115"/>
           </a:xfrm>
         </p:spPr>
         <p:txBody>
           <a:bodyPr>
-            <a:normAutofit/>
+            <a:normAutofit fontScale="92500" lnSpcReduction="10000"/>
           </a:bodyPr>
           <a:lstStyle/>
           <a:p>
             <a:r>
-              <a:rPr lang="en-GB" sz="3200"/>
+              <a:rPr lang="en-GB" sz="3200" dirty="0"/>
               <a:t>Only 5 populations</a:t>
             </a:r>
           </a:p>
           <a:p>
             <a:r>
-              <a:rPr lang="en-GB" sz="3200"/>
+              <a:rPr lang="en-GB" sz="3200" dirty="0"/>
               <a:t>Bi-allelic SNPs</a:t>
             </a:r>
           </a:p>
           <a:p>
             <a:r>
-              <a:rPr lang="en-GB" sz="3200"/>
+              <a:rPr lang="en-GB" sz="3200" dirty="0"/>
               <a:t>Indels or structural variants ignored</a:t>
             </a:r>
           </a:p>
           <a:p>
             <a:r>
-              <a:rPr lang="en-GB" sz="3200"/>
+              <a:rPr lang="en-GB" sz="3200" dirty="0"/>
               <a:t>Uniform window size</a:t>
             </a:r>
           </a:p>
           <a:p>
             <a:r>
-              <a:rPr lang="en-GB" sz="3200"/>
+              <a:rPr lang="en-GB" sz="3200" dirty="0"/>
               <a:t>Overlapping windows </a:t>
             </a:r>
             <a:r>
-              <a:rPr lang="en-GB" sz="3200">
+              <a:rPr lang="en-GB" sz="3200" dirty="0">
                 <a:sym typeface="Wingdings" panose="05000000000000000000" pitchFamily="2" charset="2"/>
               </a:rPr>
               <a:t> less statistical power</a:t>
             </a:r>
-            <a:endParaRPr lang="en-GB" sz="3200"/>
+          </a:p>
+          <a:p>
+            <a:r>
+              <a:rPr lang="en-GB" sz="3200" dirty="0">
+                <a:sym typeface="Wingdings" panose="05000000000000000000" pitchFamily="2" charset="2"/>
+              </a:rPr>
+              <a:t>Interactive graphs</a:t>
+            </a:r>
           </a:p>
         </p:txBody>
       </p:sp>
@@ -30979,19 +30990,7 @@
               <a:rPr lang="en-GB" dirty="0">
                 <a:cs typeface="Calibri"/>
               </a:rPr>
-              <a:t>Physiological responses </a:t>
-            </a:r>
-            <a:r>
-              <a:rPr lang="en-GB" dirty="0" err="1">
-                <a:cs typeface="Calibri"/>
-              </a:rPr>
-              <a:t>e.g</a:t>
-            </a:r>
-            <a:r>
-              <a:rPr lang="en-GB" dirty="0">
-                <a:cs typeface="Calibri"/>
-              </a:rPr>
-              <a:t> disease resistance </a:t>
+              <a:t>Physiological responses e.g., disease resistance </a:t>
             </a:r>
           </a:p>
           <a:p>
@@ -32011,12 +32010,6 @@
 </file>
 
 <file path=customXml/item2.xml><?xml version="1.0" encoding="utf-8"?>
-<p:properties xmlns:p="http://schemas.microsoft.com/office/2006/metadata/properties" xmlns:xsi="http://www.w3.org/2001/XMLSchema-instance" xmlns:pc="http://schemas.microsoft.com/office/infopath/2007/PartnerControls">
-  <documentManagement/>
-</p:properties>
-</file>
-
-<file path=customXml/item3.xml><?xml version="1.0" encoding="utf-8"?>
 <ct:contentTypeSchema xmlns:ct="http://schemas.microsoft.com/office/2006/metadata/contentType" xmlns:ma="http://schemas.microsoft.com/office/2006/metadata/properties/metaAttributes" ct:_="" ma:_="" ma:contentTypeName="Document" ma:contentTypeID="0x010100F8A926E4F741B54E9D3CC55836D8AA7A" ma:contentTypeVersion="7" ma:contentTypeDescription="Create a new document." ma:contentTypeScope="" ma:versionID="f9b93885157f6a8bc2707348567787bb">
   <xsd:schema xmlns:xsd="http://www.w3.org/2001/XMLSchema" xmlns:xs="http://www.w3.org/2001/XMLSchema" xmlns:p="http://schemas.microsoft.com/office/2006/metadata/properties" xmlns:ns3="2c6865e2-40ed-47f8-a313-63552d327e97" xmlns:ns4="9d611d07-d685-4c13-8f9a-35d36b256d86" targetNamespace="http://schemas.microsoft.com/office/2006/metadata/properties" ma:root="true" ma:fieldsID="bfdbbc0fc324728d144b21342fd05797" ns3:_="" ns4:_="">
     <xsd:import namespace="2c6865e2-40ed-47f8-a313-63552d327e97"/>
@@ -32201,6 +32194,12 @@
 </ct:contentTypeSchema>
 </file>
 
+<file path=customXml/item3.xml><?xml version="1.0" encoding="utf-8"?>
+<p:properties xmlns:p="http://schemas.microsoft.com/office/2006/metadata/properties" xmlns:xsi="http://www.w3.org/2001/XMLSchema-instance" xmlns:pc="http://schemas.microsoft.com/office/infopath/2007/PartnerControls">
+  <documentManagement/>
+</p:properties>
+</file>
+
 <file path=customXml/itemProps1.xml><?xml version="1.0" encoding="utf-8"?>
 <ds:datastoreItem xmlns:ds="http://schemas.openxmlformats.org/officeDocument/2006/customXml" ds:itemID="{675F28C2-5A38-4FB4-AB0E-790E17A3888B}">
   <ds:schemaRefs>
@@ -32210,23 +32209,6 @@
 </file>
 
 <file path=customXml/itemProps2.xml><?xml version="1.0" encoding="utf-8"?>
-<ds:datastoreItem xmlns:ds="http://schemas.openxmlformats.org/officeDocument/2006/customXml" ds:itemID="{60C67BEE-D13F-4BD2-98A5-34D8A0977F68}">
-  <ds:schemaRefs>
-    <ds:schemaRef ds:uri="http://schemas.openxmlformats.org/package/2006/metadata/core-properties"/>
-    <ds:schemaRef ds:uri="http://schemas.microsoft.com/office/2006/metadata/properties"/>
-    <ds:schemaRef ds:uri="http://schemas.microsoft.com/office/2006/documentManagement/types"/>
-    <ds:schemaRef ds:uri="http://purl.org/dc/elements/1.1/"/>
-    <ds:schemaRef ds:uri="http://schemas.microsoft.com/office/infopath/2007/PartnerControls"/>
-    <ds:schemaRef ds:uri="http://www.w3.org/XML/1998/namespace"/>
-    <ds:schemaRef ds:uri="http://purl.org/dc/dcmitype/"/>
-    <ds:schemaRef ds:uri="http://purl.org/dc/terms/"/>
-    <ds:schemaRef ds:uri="9d611d07-d685-4c13-8f9a-35d36b256d86"/>
-    <ds:schemaRef ds:uri="2c6865e2-40ed-47f8-a313-63552d327e97"/>
-  </ds:schemaRefs>
-</ds:datastoreItem>
-</file>
-
-<file path=customXml/itemProps3.xml><?xml version="1.0" encoding="utf-8"?>
 <ds:datastoreItem xmlns:ds="http://schemas.openxmlformats.org/officeDocument/2006/customXml" ds:itemID="{8D614A6C-CE7B-46BA-BD3A-CAD9BA06454B}">
   <ds:schemaRefs>
     <ds:schemaRef ds:uri="2c6865e2-40ed-47f8-a313-63552d327e97"/>
@@ -32243,4 +32225,21 @@
     <ds:schemaRef ds:uri="http://www.w3.org/2001/XMLSchema"/>
   </ds:schemaRefs>
 </ds:datastoreItem>
+</file>
+
+<file path=customXml/itemProps3.xml><?xml version="1.0" encoding="utf-8"?>
+<ds:datastoreItem xmlns:ds="http://schemas.openxmlformats.org/officeDocument/2006/customXml" ds:itemID="{60C67BEE-D13F-4BD2-98A5-34D8A0977F68}">
+  <ds:schemaRefs>
+    <ds:schemaRef ds:uri="http://purl.org/dc/elements/1.1/"/>
+    <ds:schemaRef ds:uri="http://purl.org/dc/dcmitype/"/>
+    <ds:schemaRef ds:uri="2c6865e2-40ed-47f8-a313-63552d327e97"/>
+    <ds:schemaRef ds:uri="http://schemas.microsoft.com/office/2006/documentManagement/types"/>
+    <ds:schemaRef ds:uri="http://schemas.microsoft.com/office/2006/metadata/properties"/>
+    <ds:schemaRef ds:uri="9d611d07-d685-4c13-8f9a-35d36b256d86"/>
+    <ds:schemaRef ds:uri="http://www.w3.org/XML/1998/namespace"/>
+    <ds:schemaRef ds:uri="http://schemas.microsoft.com/office/infopath/2007/PartnerControls"/>
+    <ds:schemaRef ds:uri="http://schemas.openxmlformats.org/package/2006/metadata/core-properties"/>
+    <ds:schemaRef ds:uri="http://purl.org/dc/terms/"/>
+  </ds:schemaRefs>
+</ds:datastoreItem>
 </file>